--- a/Computer network/one - high level view.pptx
+++ b/Computer network/one - high level view.pptx
@@ -5,17 +5,16 @@
     <p:sldMasterId id="2147483756" r:id="rId4"/>
   </p:sldMasterIdLst>
   <p:notesMasterIdLst>
-    <p:notesMasterId r:id="rId10"/>
+    <p:notesMasterId r:id="rId9"/>
   </p:notesMasterIdLst>
   <p:handoutMasterIdLst>
-    <p:handoutMasterId r:id="rId11"/>
+    <p:handoutMasterId r:id="rId10"/>
   </p:handoutMasterIdLst>
   <p:sldIdLst>
     <p:sldId id="259" r:id="rId5"/>
     <p:sldId id="260" r:id="rId6"/>
-    <p:sldId id="261" r:id="rId7"/>
-    <p:sldId id="262" r:id="rId8"/>
-    <p:sldId id="263" r:id="rId9"/>
+    <p:sldId id="262" r:id="rId7"/>
+    <p:sldId id="263" r:id="rId8"/>
   </p:sldIdLst>
   <p:sldSz cx="12192000" cy="6858000"/>
   <p:notesSz cx="6858000" cy="9144000"/>
@@ -123,1065 +122,6 @@
     </p:ext>
   </p:extLst>
 </p:presentation>
-</file>
-
-<file path=ppt/charts/chart1.xml><?xml version="1.0" encoding="utf-8"?>
-<c:chartSpace xmlns:c="http://schemas.openxmlformats.org/drawingml/2006/chart" xmlns:a="http://schemas.openxmlformats.org/drawingml/2006/main" xmlns:r="http://schemas.openxmlformats.org/officeDocument/2006/relationships" xmlns:c16r2="http://schemas.microsoft.com/office/drawing/2015/06/chart">
-  <c:date1904 val="0"/>
-  <c:lang val="en-US"/>
-  <c:roundedCorners val="0"/>
-  <mc:AlternateContent xmlns:mc="http://schemas.openxmlformats.org/markup-compatibility/2006">
-    <mc:Choice xmlns:c14="http://schemas.microsoft.com/office/drawing/2007/8/2/chart" Requires="c14">
-      <c14:style val="102"/>
-    </mc:Choice>
-    <mc:Fallback>
-      <c:style val="2"/>
-    </mc:Fallback>
-  </mc:AlternateContent>
-  <c:chart>
-    <c:autoTitleDeleted val="1"/>
-    <c:plotArea>
-      <c:layout/>
-      <c:barChart>
-        <c:barDir val="col"/>
-        <c:grouping val="clustered"/>
-        <c:varyColors val="0"/>
-        <c:ser>
-          <c:idx val="0"/>
-          <c:order val="0"/>
-          <c:tx>
-            <c:strRef>
-              <c:f>Sheet1!$B$1</c:f>
-              <c:strCache>
-                <c:ptCount val="1"/>
-                <c:pt idx="0">
-                  <c:v>Series 1</c:v>
-                </c:pt>
-              </c:strCache>
-            </c:strRef>
-          </c:tx>
-          <c:spPr>
-            <a:gradFill rotWithShape="1">
-              <a:gsLst>
-                <a:gs pos="0">
-                  <a:schemeClr val="accent1">
-                    <a:satMod val="103000"/>
-                    <a:lumMod val="102000"/>
-                    <a:tint val="94000"/>
-                  </a:schemeClr>
-                </a:gs>
-                <a:gs pos="50000">
-                  <a:schemeClr val="accent1">
-                    <a:satMod val="110000"/>
-                    <a:lumMod val="100000"/>
-                    <a:shade val="100000"/>
-                  </a:schemeClr>
-                </a:gs>
-                <a:gs pos="100000">
-                  <a:schemeClr val="accent1">
-                    <a:lumMod val="99000"/>
-                    <a:satMod val="120000"/>
-                    <a:shade val="78000"/>
-                  </a:schemeClr>
-                </a:gs>
-              </a:gsLst>
-              <a:lin ang="5400000" scaled="0"/>
-            </a:gradFill>
-            <a:ln>
-              <a:noFill/>
-            </a:ln>
-            <a:effectLst>
-              <a:outerShdw blurRad="57150" dist="19050" dir="5400000" algn="ctr" rotWithShape="0">
-                <a:srgbClr val="000000">
-                  <a:alpha val="63000"/>
-                </a:srgbClr>
-              </a:outerShdw>
-            </a:effectLst>
-          </c:spPr>
-          <c:invertIfNegative val="0"/>
-          <c:cat>
-            <c:strRef>
-              <c:f>Sheet1!$A$2:$A$5</c:f>
-              <c:strCache>
-                <c:ptCount val="4"/>
-                <c:pt idx="0">
-                  <c:v>Category 1</c:v>
-                </c:pt>
-                <c:pt idx="1">
-                  <c:v>Category 2</c:v>
-                </c:pt>
-                <c:pt idx="2">
-                  <c:v>Category 3</c:v>
-                </c:pt>
-                <c:pt idx="3">
-                  <c:v>Category 4</c:v>
-                </c:pt>
-              </c:strCache>
-            </c:strRef>
-          </c:cat>
-          <c:val>
-            <c:numRef>
-              <c:f>Sheet1!$B$2:$B$5</c:f>
-              <c:numCache>
-                <c:formatCode>General</c:formatCode>
-                <c:ptCount val="4"/>
-                <c:pt idx="0">
-                  <c:v>4.3</c:v>
-                </c:pt>
-                <c:pt idx="1">
-                  <c:v>2.5</c:v>
-                </c:pt>
-                <c:pt idx="2">
-                  <c:v>3.5</c:v>
-                </c:pt>
-                <c:pt idx="3">
-                  <c:v>4.5</c:v>
-                </c:pt>
-              </c:numCache>
-            </c:numRef>
-          </c:val>
-          <c:extLst>
-            <c:ext xmlns:c16="http://schemas.microsoft.com/office/drawing/2014/chart" uri="{C3380CC4-5D6E-409C-BE32-E72D297353CC}">
-              <c16:uniqueId val="{00000000-8392-4FD2-AACC-B80B126B6291}"/>
-            </c:ext>
-          </c:extLst>
-        </c:ser>
-        <c:ser>
-          <c:idx val="1"/>
-          <c:order val="1"/>
-          <c:tx>
-            <c:strRef>
-              <c:f>Sheet1!$C$1</c:f>
-              <c:strCache>
-                <c:ptCount val="1"/>
-                <c:pt idx="0">
-                  <c:v>Series 2</c:v>
-                </c:pt>
-              </c:strCache>
-            </c:strRef>
-          </c:tx>
-          <c:spPr>
-            <a:gradFill rotWithShape="1">
-              <a:gsLst>
-                <a:gs pos="0">
-                  <a:schemeClr val="accent2">
-                    <a:satMod val="103000"/>
-                    <a:lumMod val="102000"/>
-                    <a:tint val="94000"/>
-                  </a:schemeClr>
-                </a:gs>
-                <a:gs pos="50000">
-                  <a:schemeClr val="accent2">
-                    <a:satMod val="110000"/>
-                    <a:lumMod val="100000"/>
-                    <a:shade val="100000"/>
-                  </a:schemeClr>
-                </a:gs>
-                <a:gs pos="100000">
-                  <a:schemeClr val="accent2">
-                    <a:lumMod val="99000"/>
-                    <a:satMod val="120000"/>
-                    <a:shade val="78000"/>
-                  </a:schemeClr>
-                </a:gs>
-              </a:gsLst>
-              <a:lin ang="5400000" scaled="0"/>
-            </a:gradFill>
-            <a:ln>
-              <a:noFill/>
-            </a:ln>
-            <a:effectLst>
-              <a:outerShdw blurRad="57150" dist="19050" dir="5400000" algn="ctr" rotWithShape="0">
-                <a:srgbClr val="000000">
-                  <a:alpha val="63000"/>
-                </a:srgbClr>
-              </a:outerShdw>
-            </a:effectLst>
-          </c:spPr>
-          <c:invertIfNegative val="0"/>
-          <c:cat>
-            <c:strRef>
-              <c:f>Sheet1!$A$2:$A$5</c:f>
-              <c:strCache>
-                <c:ptCount val="4"/>
-                <c:pt idx="0">
-                  <c:v>Category 1</c:v>
-                </c:pt>
-                <c:pt idx="1">
-                  <c:v>Category 2</c:v>
-                </c:pt>
-                <c:pt idx="2">
-                  <c:v>Category 3</c:v>
-                </c:pt>
-                <c:pt idx="3">
-                  <c:v>Category 4</c:v>
-                </c:pt>
-              </c:strCache>
-            </c:strRef>
-          </c:cat>
-          <c:val>
-            <c:numRef>
-              <c:f>Sheet1!$C$2:$C$5</c:f>
-              <c:numCache>
-                <c:formatCode>General</c:formatCode>
-                <c:ptCount val="4"/>
-                <c:pt idx="0">
-                  <c:v>2.4</c:v>
-                </c:pt>
-                <c:pt idx="1">
-                  <c:v>4.4000000000000004</c:v>
-                </c:pt>
-                <c:pt idx="2">
-                  <c:v>1.8</c:v>
-                </c:pt>
-                <c:pt idx="3">
-                  <c:v>2.8</c:v>
-                </c:pt>
-              </c:numCache>
-            </c:numRef>
-          </c:val>
-          <c:extLst>
-            <c:ext xmlns:c16="http://schemas.microsoft.com/office/drawing/2014/chart" uri="{C3380CC4-5D6E-409C-BE32-E72D297353CC}">
-              <c16:uniqueId val="{00000001-8392-4FD2-AACC-B80B126B6291}"/>
-            </c:ext>
-          </c:extLst>
-        </c:ser>
-        <c:ser>
-          <c:idx val="2"/>
-          <c:order val="2"/>
-          <c:tx>
-            <c:strRef>
-              <c:f>Sheet1!$D$1</c:f>
-              <c:strCache>
-                <c:ptCount val="1"/>
-                <c:pt idx="0">
-                  <c:v>Series 3</c:v>
-                </c:pt>
-              </c:strCache>
-            </c:strRef>
-          </c:tx>
-          <c:spPr>
-            <a:gradFill rotWithShape="1">
-              <a:gsLst>
-                <a:gs pos="0">
-                  <a:schemeClr val="accent3">
-                    <a:satMod val="103000"/>
-                    <a:lumMod val="102000"/>
-                    <a:tint val="94000"/>
-                  </a:schemeClr>
-                </a:gs>
-                <a:gs pos="50000">
-                  <a:schemeClr val="accent3">
-                    <a:satMod val="110000"/>
-                    <a:lumMod val="100000"/>
-                    <a:shade val="100000"/>
-                  </a:schemeClr>
-                </a:gs>
-                <a:gs pos="100000">
-                  <a:schemeClr val="accent3">
-                    <a:lumMod val="99000"/>
-                    <a:satMod val="120000"/>
-                    <a:shade val="78000"/>
-                  </a:schemeClr>
-                </a:gs>
-              </a:gsLst>
-              <a:lin ang="5400000" scaled="0"/>
-            </a:gradFill>
-            <a:ln>
-              <a:noFill/>
-            </a:ln>
-            <a:effectLst>
-              <a:outerShdw blurRad="57150" dist="19050" dir="5400000" algn="ctr" rotWithShape="0">
-                <a:srgbClr val="000000">
-                  <a:alpha val="63000"/>
-                </a:srgbClr>
-              </a:outerShdw>
-            </a:effectLst>
-          </c:spPr>
-          <c:invertIfNegative val="0"/>
-          <c:cat>
-            <c:strRef>
-              <c:f>Sheet1!$A$2:$A$5</c:f>
-              <c:strCache>
-                <c:ptCount val="4"/>
-                <c:pt idx="0">
-                  <c:v>Category 1</c:v>
-                </c:pt>
-                <c:pt idx="1">
-                  <c:v>Category 2</c:v>
-                </c:pt>
-                <c:pt idx="2">
-                  <c:v>Category 3</c:v>
-                </c:pt>
-                <c:pt idx="3">
-                  <c:v>Category 4</c:v>
-                </c:pt>
-              </c:strCache>
-            </c:strRef>
-          </c:cat>
-          <c:val>
-            <c:numRef>
-              <c:f>Sheet1!$D$2:$D$5</c:f>
-              <c:numCache>
-                <c:formatCode>General</c:formatCode>
-                <c:ptCount val="4"/>
-                <c:pt idx="0">
-                  <c:v>2</c:v>
-                </c:pt>
-                <c:pt idx="1">
-                  <c:v>2</c:v>
-                </c:pt>
-                <c:pt idx="2">
-                  <c:v>3</c:v>
-                </c:pt>
-                <c:pt idx="3">
-                  <c:v>5</c:v>
-                </c:pt>
-              </c:numCache>
-            </c:numRef>
-          </c:val>
-          <c:extLst>
-            <c:ext xmlns:c16="http://schemas.microsoft.com/office/drawing/2014/chart" uri="{C3380CC4-5D6E-409C-BE32-E72D297353CC}">
-              <c16:uniqueId val="{00000002-8392-4FD2-AACC-B80B126B6291}"/>
-            </c:ext>
-          </c:extLst>
-        </c:ser>
-        <c:dLbls>
-          <c:showLegendKey val="0"/>
-          <c:showVal val="0"/>
-          <c:showCatName val="0"/>
-          <c:showSerName val="0"/>
-          <c:showPercent val="0"/>
-          <c:showBubbleSize val="0"/>
-        </c:dLbls>
-        <c:gapWidth val="100"/>
-        <c:overlap val="-24"/>
-        <c:axId val="516113312"/>
-        <c:axId val="516099592"/>
-      </c:barChart>
-      <c:catAx>
-        <c:axId val="516113312"/>
-        <c:scaling>
-          <c:orientation val="minMax"/>
-        </c:scaling>
-        <c:delete val="0"/>
-        <c:axPos val="b"/>
-        <c:numFmt formatCode="General" sourceLinked="1"/>
-        <c:majorTickMark val="none"/>
-        <c:minorTickMark val="none"/>
-        <c:tickLblPos val="nextTo"/>
-        <c:spPr>
-          <a:noFill/>
-          <a:ln w="12700" cap="flat" cmpd="sng" algn="ctr">
-            <a:solidFill>
-              <a:schemeClr val="lt1">
-                <a:lumMod val="95000"/>
-                <a:alpha val="54000"/>
-              </a:schemeClr>
-            </a:solidFill>
-            <a:round/>
-          </a:ln>
-          <a:effectLst/>
-        </c:spPr>
-        <c:txPr>
-          <a:bodyPr rot="-60000000" spcFirstLastPara="1" vertOverflow="ellipsis" vert="horz" wrap="square" anchor="ctr" anchorCtr="1"/>
-          <a:lstStyle/>
-          <a:p>
-            <a:pPr>
-              <a:defRPr sz="1197" b="0" i="0" u="none" strike="noStrike" kern="1200" baseline="0">
-                <a:solidFill>
-                  <a:schemeClr val="lt1">
-                    <a:lumMod val="85000"/>
-                  </a:schemeClr>
-                </a:solidFill>
-                <a:latin typeface="+mn-lt"/>
-                <a:ea typeface="+mn-ea"/>
-                <a:cs typeface="+mn-cs"/>
-              </a:defRPr>
-            </a:pPr>
-            <a:endParaRPr lang="en-US"/>
-          </a:p>
-        </c:txPr>
-        <c:crossAx val="516099592"/>
-        <c:crosses val="autoZero"/>
-        <c:auto val="1"/>
-        <c:lblAlgn val="ctr"/>
-        <c:lblOffset val="100"/>
-        <c:noMultiLvlLbl val="0"/>
-      </c:catAx>
-      <c:valAx>
-        <c:axId val="516099592"/>
-        <c:scaling>
-          <c:orientation val="minMax"/>
-        </c:scaling>
-        <c:delete val="0"/>
-        <c:axPos val="l"/>
-        <c:majorGridlines>
-          <c:spPr>
-            <a:ln w="9525" cap="flat" cmpd="sng" algn="ctr">
-              <a:solidFill>
-                <a:schemeClr val="lt1">
-                  <a:lumMod val="95000"/>
-                  <a:alpha val="10000"/>
-                </a:schemeClr>
-              </a:solidFill>
-              <a:round/>
-            </a:ln>
-            <a:effectLst/>
-          </c:spPr>
-        </c:majorGridlines>
-        <c:numFmt formatCode="General" sourceLinked="1"/>
-        <c:majorTickMark val="none"/>
-        <c:minorTickMark val="none"/>
-        <c:tickLblPos val="nextTo"/>
-        <c:spPr>
-          <a:noFill/>
-          <a:ln>
-            <a:noFill/>
-          </a:ln>
-          <a:effectLst/>
-        </c:spPr>
-        <c:txPr>
-          <a:bodyPr rot="-60000000" spcFirstLastPara="1" vertOverflow="ellipsis" vert="horz" wrap="square" anchor="ctr" anchorCtr="1"/>
-          <a:lstStyle/>
-          <a:p>
-            <a:pPr>
-              <a:defRPr sz="1197" b="0" i="0" u="none" strike="noStrike" kern="1200" baseline="0">
-                <a:solidFill>
-                  <a:schemeClr val="lt1">
-                    <a:lumMod val="85000"/>
-                  </a:schemeClr>
-                </a:solidFill>
-                <a:latin typeface="+mn-lt"/>
-                <a:ea typeface="+mn-ea"/>
-                <a:cs typeface="+mn-cs"/>
-              </a:defRPr>
-            </a:pPr>
-            <a:endParaRPr lang="en-US"/>
-          </a:p>
-        </c:txPr>
-        <c:crossAx val="516113312"/>
-        <c:crosses val="autoZero"/>
-        <c:crossBetween val="between"/>
-      </c:valAx>
-      <c:spPr>
-        <a:noFill/>
-        <a:ln>
-          <a:noFill/>
-        </a:ln>
-        <a:effectLst/>
-      </c:spPr>
-    </c:plotArea>
-    <c:legend>
-      <c:legendPos val="b"/>
-      <c:overlay val="0"/>
-      <c:spPr>
-        <a:noFill/>
-        <a:ln>
-          <a:noFill/>
-        </a:ln>
-        <a:effectLst/>
-      </c:spPr>
-      <c:txPr>
-        <a:bodyPr rot="0" spcFirstLastPara="1" vertOverflow="ellipsis" vert="horz" wrap="square" anchor="ctr" anchorCtr="1"/>
-        <a:lstStyle/>
-        <a:p>
-          <a:pPr>
-            <a:defRPr sz="1197" b="0" i="0" u="none" strike="noStrike" kern="1200" baseline="0">
-              <a:solidFill>
-                <a:schemeClr val="lt1">
-                  <a:lumMod val="85000"/>
-                </a:schemeClr>
-              </a:solidFill>
-              <a:latin typeface="+mn-lt"/>
-              <a:ea typeface="+mn-ea"/>
-              <a:cs typeface="+mn-cs"/>
-            </a:defRPr>
-          </a:pPr>
-          <a:endParaRPr lang="en-US"/>
-        </a:p>
-      </c:txPr>
-    </c:legend>
-    <c:plotVisOnly val="1"/>
-    <c:dispBlanksAs val="gap"/>
-    <c:showDLblsOverMax val="0"/>
-  </c:chart>
-  <c:spPr>
-    <a:gradFill flip="none" rotWithShape="1">
-      <a:gsLst>
-        <a:gs pos="0">
-          <a:schemeClr val="dk1">
-            <a:lumMod val="65000"/>
-            <a:lumOff val="35000"/>
-          </a:schemeClr>
-        </a:gs>
-        <a:gs pos="100000">
-          <a:schemeClr val="dk1">
-            <a:lumMod val="85000"/>
-            <a:lumOff val="15000"/>
-          </a:schemeClr>
-        </a:gs>
-      </a:gsLst>
-      <a:path path="circle">
-        <a:fillToRect l="50000" t="50000" r="50000" b="50000"/>
-      </a:path>
-      <a:tileRect/>
-    </a:gradFill>
-    <a:ln>
-      <a:noFill/>
-    </a:ln>
-    <a:effectLst/>
-  </c:spPr>
-  <c:txPr>
-    <a:bodyPr/>
-    <a:lstStyle/>
-    <a:p>
-      <a:pPr>
-        <a:defRPr/>
-      </a:pPr>
-      <a:endParaRPr lang="en-US"/>
-    </a:p>
-  </c:txPr>
-  <c:externalData r:id="rId3">
-    <c:autoUpdate val="0"/>
-  </c:externalData>
-</c:chartSpace>
-</file>
-
-<file path=ppt/charts/colors1.xml><?xml version="1.0" encoding="utf-8"?>
-<cs:colorStyle xmlns:cs="http://schemas.microsoft.com/office/drawing/2012/chartStyle" xmlns:a="http://schemas.openxmlformats.org/drawingml/2006/main" meth="cycle" id="10">
-  <a:schemeClr val="accent1"/>
-  <a:schemeClr val="accent2"/>
-  <a:schemeClr val="accent3"/>
-  <a:schemeClr val="accent4"/>
-  <a:schemeClr val="accent5"/>
-  <a:schemeClr val="accent6"/>
-  <cs:variation/>
-  <cs:variation>
-    <a:lumMod val="60000"/>
-  </cs:variation>
-  <cs:variation>
-    <a:lumMod val="80000"/>
-    <a:lumOff val="20000"/>
-  </cs:variation>
-  <cs:variation>
-    <a:lumMod val="80000"/>
-  </cs:variation>
-  <cs:variation>
-    <a:lumMod val="60000"/>
-    <a:lumOff val="40000"/>
-  </cs:variation>
-  <cs:variation>
-    <a:lumMod val="50000"/>
-  </cs:variation>
-  <cs:variation>
-    <a:lumMod val="70000"/>
-    <a:lumOff val="30000"/>
-  </cs:variation>
-  <cs:variation>
-    <a:lumMod val="70000"/>
-  </cs:variation>
-  <cs:variation>
-    <a:lumMod val="50000"/>
-    <a:lumOff val="50000"/>
-  </cs:variation>
-</cs:colorStyle>
-</file>
-
-<file path=ppt/charts/style1.xml><?xml version="1.0" encoding="utf-8"?>
-<cs:chartStyle xmlns:cs="http://schemas.microsoft.com/office/drawing/2012/chartStyle" xmlns:a="http://schemas.openxmlformats.org/drawingml/2006/main" id="209">
-  <cs:axisTitle>
-    <cs:lnRef idx="0"/>
-    <cs:fillRef idx="0"/>
-    <cs:effectRef idx="0"/>
-    <cs:fontRef idx="minor">
-      <a:schemeClr val="lt1">
-        <a:lumMod val="85000"/>
-      </a:schemeClr>
-    </cs:fontRef>
-    <cs:defRPr sz="1197" b="1" kern="1200" cap="all"/>
-  </cs:axisTitle>
-  <cs:categoryAxis>
-    <cs:lnRef idx="0"/>
-    <cs:fillRef idx="0"/>
-    <cs:effectRef idx="0"/>
-    <cs:fontRef idx="minor">
-      <a:schemeClr val="lt1">
-        <a:lumMod val="85000"/>
-      </a:schemeClr>
-    </cs:fontRef>
-    <cs:spPr>
-      <a:ln w="12700" cap="flat" cmpd="sng" algn="ctr">
-        <a:solidFill>
-          <a:schemeClr val="lt1">
-            <a:lumMod val="95000"/>
-            <a:alpha val="54000"/>
-          </a:schemeClr>
-        </a:solidFill>
-        <a:round/>
-      </a:ln>
-    </cs:spPr>
-    <cs:defRPr sz="1197" kern="1200"/>
-  </cs:categoryAxis>
-  <cs:chartArea>
-    <cs:lnRef idx="0"/>
-    <cs:fillRef idx="0"/>
-    <cs:effectRef idx="0"/>
-    <cs:fontRef idx="minor">
-      <a:schemeClr val="dk1"/>
-    </cs:fontRef>
-    <cs:spPr>
-      <a:gradFill flip="none" rotWithShape="1">
-        <a:gsLst>
-          <a:gs pos="0">
-            <a:schemeClr val="dk1">
-              <a:lumMod val="65000"/>
-              <a:lumOff val="35000"/>
-            </a:schemeClr>
-          </a:gs>
-          <a:gs pos="100000">
-            <a:schemeClr val="dk1">
-              <a:lumMod val="85000"/>
-              <a:lumOff val="15000"/>
-            </a:schemeClr>
-          </a:gs>
-        </a:gsLst>
-        <a:path path="circle">
-          <a:fillToRect l="50000" t="50000" r="50000" b="50000"/>
-        </a:path>
-        <a:tileRect/>
-      </a:gradFill>
-    </cs:spPr>
-    <cs:defRPr sz="1330" kern="1200"/>
-  </cs:chartArea>
-  <cs:dataLabel>
-    <cs:lnRef idx="0"/>
-    <cs:fillRef idx="0"/>
-    <cs:effectRef idx="0"/>
-    <cs:fontRef idx="minor">
-      <a:schemeClr val="lt1">
-        <a:lumMod val="85000"/>
-      </a:schemeClr>
-    </cs:fontRef>
-    <cs:defRPr sz="1197" kern="1200"/>
-  </cs:dataLabel>
-  <cs:dataLabelCallout>
-    <cs:lnRef idx="0"/>
-    <cs:fillRef idx="0"/>
-    <cs:effectRef idx="0"/>
-    <cs:fontRef idx="minor">
-      <a:schemeClr val="dk1">
-        <a:lumMod val="65000"/>
-        <a:lumOff val="35000"/>
-      </a:schemeClr>
-    </cs:fontRef>
-    <cs:spPr>
-      <a:solidFill>
-        <a:schemeClr val="lt1"/>
-      </a:solidFill>
-    </cs:spPr>
-    <cs:defRPr sz="1197" kern="1200"/>
-    <cs:bodyPr rot="0" spcFirstLastPara="1" vertOverflow="clip" horzOverflow="clip" vert="horz" wrap="square" lIns="36576" tIns="18288" rIns="36576" bIns="18288" anchor="ctr" anchorCtr="1">
-      <a:spAutoFit/>
-    </cs:bodyPr>
-  </cs:dataLabelCallout>
-  <cs:dataPoint>
-    <cs:lnRef idx="0"/>
-    <cs:fillRef idx="3">
-      <cs:styleClr val="auto"/>
-    </cs:fillRef>
-    <cs:effectRef idx="3"/>
-    <cs:fontRef idx="minor">
-      <a:schemeClr val="lt1"/>
-    </cs:fontRef>
-  </cs:dataPoint>
-  <cs:dataPoint3D>
-    <cs:lnRef idx="0"/>
-    <cs:fillRef idx="3">
-      <cs:styleClr val="auto"/>
-    </cs:fillRef>
-    <cs:effectRef idx="3"/>
-    <cs:fontRef idx="minor">
-      <a:schemeClr val="lt1"/>
-    </cs:fontRef>
-  </cs:dataPoint3D>
-  <cs:dataPointLine>
-    <cs:lnRef idx="0">
-      <cs:styleClr val="auto"/>
-    </cs:lnRef>
-    <cs:fillRef idx="3"/>
-    <cs:effectRef idx="3"/>
-    <cs:fontRef idx="minor">
-      <a:schemeClr val="lt1"/>
-    </cs:fontRef>
-    <cs:spPr>
-      <a:ln w="34925" cap="rnd">
-        <a:solidFill>
-          <a:schemeClr val="phClr"/>
-        </a:solidFill>
-        <a:round/>
-      </a:ln>
-    </cs:spPr>
-  </cs:dataPointLine>
-  <cs:dataPointMarker>
-    <cs:lnRef idx="0">
-      <cs:styleClr val="auto"/>
-    </cs:lnRef>
-    <cs:fillRef idx="3">
-      <cs:styleClr val="auto"/>
-    </cs:fillRef>
-    <cs:effectRef idx="3"/>
-    <cs:fontRef idx="minor">
-      <a:schemeClr val="lt1"/>
-    </cs:fontRef>
-    <cs:spPr>
-      <a:ln w="9525">
-        <a:solidFill>
-          <a:schemeClr val="phClr"/>
-        </a:solidFill>
-        <a:round/>
-      </a:ln>
-    </cs:spPr>
-  </cs:dataPointMarker>
-  <cs:dataPointMarkerLayout symbol="circle" size="6"/>
-  <cs:dataPointWireframe>
-    <cs:lnRef idx="0">
-      <cs:styleClr val="auto"/>
-    </cs:lnRef>
-    <cs:fillRef idx="3"/>
-    <cs:effectRef idx="3"/>
-    <cs:fontRef idx="minor">
-      <a:schemeClr val="lt1"/>
-    </cs:fontRef>
-    <cs:spPr>
-      <a:ln w="9525" cap="rnd">
-        <a:solidFill>
-          <a:schemeClr val="phClr"/>
-        </a:solidFill>
-        <a:round/>
-      </a:ln>
-    </cs:spPr>
-  </cs:dataPointWireframe>
-  <cs:dataTable>
-    <cs:lnRef idx="0"/>
-    <cs:fillRef idx="0"/>
-    <cs:effectRef idx="0"/>
-    <cs:fontRef idx="minor">
-      <a:schemeClr val="lt1">
-        <a:lumMod val="85000"/>
-      </a:schemeClr>
-    </cs:fontRef>
-    <cs:spPr>
-      <a:ln w="9525">
-        <a:solidFill>
-          <a:schemeClr val="lt1">
-            <a:lumMod val="95000"/>
-            <a:alpha val="54000"/>
-          </a:schemeClr>
-        </a:solidFill>
-      </a:ln>
-    </cs:spPr>
-    <cs:defRPr sz="1197" kern="1200"/>
-  </cs:dataTable>
-  <cs:downBar>
-    <cs:lnRef idx="0"/>
-    <cs:fillRef idx="0"/>
-    <cs:effectRef idx="0"/>
-    <cs:fontRef idx="minor">
-      <a:schemeClr val="lt1"/>
-    </cs:fontRef>
-    <cs:spPr>
-      <a:solidFill>
-        <a:schemeClr val="dk1">
-          <a:lumMod val="75000"/>
-          <a:lumOff val="25000"/>
-        </a:schemeClr>
-      </a:solidFill>
-      <a:ln w="9525">
-        <a:solidFill>
-          <a:schemeClr val="lt1">
-            <a:lumMod val="95000"/>
-            <a:alpha val="54000"/>
-          </a:schemeClr>
-        </a:solidFill>
-      </a:ln>
-    </cs:spPr>
-  </cs:downBar>
-  <cs:dropLine>
-    <cs:lnRef idx="0"/>
-    <cs:fillRef idx="0"/>
-    <cs:effectRef idx="0"/>
-    <cs:fontRef idx="minor">
-      <a:schemeClr val="lt1"/>
-    </cs:fontRef>
-    <cs:spPr>
-      <a:ln w="9525">
-        <a:solidFill>
-          <a:schemeClr val="lt1">
-            <a:lumMod val="95000"/>
-            <a:alpha val="54000"/>
-          </a:schemeClr>
-        </a:solidFill>
-        <a:prstDash val="dash"/>
-      </a:ln>
-    </cs:spPr>
-  </cs:dropLine>
-  <cs:errorBar>
-    <cs:lnRef idx="0"/>
-    <cs:fillRef idx="0"/>
-    <cs:effectRef idx="0"/>
-    <cs:fontRef idx="minor">
-      <a:schemeClr val="lt1"/>
-    </cs:fontRef>
-    <cs:spPr>
-      <a:ln w="9525" cap="flat" cmpd="sng" algn="ctr">
-        <a:solidFill>
-          <a:schemeClr val="lt1">
-            <a:lumMod val="95000"/>
-          </a:schemeClr>
-        </a:solidFill>
-        <a:round/>
-      </a:ln>
-    </cs:spPr>
-  </cs:errorBar>
-  <cs:floor>
-    <cs:lnRef idx="0"/>
-    <cs:fillRef idx="0"/>
-    <cs:effectRef idx="0"/>
-    <cs:fontRef idx="minor">
-      <a:schemeClr val="lt1"/>
-    </cs:fontRef>
-  </cs:floor>
-  <cs:gridlineMajor>
-    <cs:lnRef idx="0"/>
-    <cs:fillRef idx="0"/>
-    <cs:effectRef idx="0"/>
-    <cs:fontRef idx="minor">
-      <a:schemeClr val="lt1"/>
-    </cs:fontRef>
-    <cs:spPr>
-      <a:ln w="9525" cap="flat" cmpd="sng" algn="ctr">
-        <a:solidFill>
-          <a:schemeClr val="lt1">
-            <a:lumMod val="95000"/>
-            <a:alpha val="10000"/>
-          </a:schemeClr>
-        </a:solidFill>
-        <a:round/>
-      </a:ln>
-    </cs:spPr>
-  </cs:gridlineMajor>
-  <cs:gridlineMinor>
-    <cs:lnRef idx="0"/>
-    <cs:fillRef idx="0"/>
-    <cs:effectRef idx="0"/>
-    <cs:fontRef idx="minor">
-      <a:schemeClr val="lt1"/>
-    </cs:fontRef>
-    <cs:spPr>
-      <a:ln>
-        <a:solidFill>
-          <a:schemeClr val="lt1">
-            <a:lumMod val="95000"/>
-            <a:alpha val="5000"/>
-          </a:schemeClr>
-        </a:solidFill>
-      </a:ln>
-    </cs:spPr>
-  </cs:gridlineMinor>
-  <cs:hiLoLine>
-    <cs:lnRef idx="0"/>
-    <cs:fillRef idx="0"/>
-    <cs:effectRef idx="0"/>
-    <cs:fontRef idx="minor">
-      <a:schemeClr val="lt1"/>
-    </cs:fontRef>
-    <cs:spPr>
-      <a:ln w="9525">
-        <a:solidFill>
-          <a:schemeClr val="lt1">
-            <a:lumMod val="95000"/>
-            <a:alpha val="54000"/>
-          </a:schemeClr>
-        </a:solidFill>
-        <a:prstDash val="dash"/>
-      </a:ln>
-    </cs:spPr>
-  </cs:hiLoLine>
-  <cs:leaderLine>
-    <cs:lnRef idx="0"/>
-    <cs:fillRef idx="0"/>
-    <cs:effectRef idx="0"/>
-    <cs:fontRef idx="minor">
-      <a:schemeClr val="lt1"/>
-    </cs:fontRef>
-    <cs:spPr>
-      <a:ln w="9525">
-        <a:solidFill>
-          <a:schemeClr val="lt1">
-            <a:lumMod val="95000"/>
-            <a:alpha val="54000"/>
-          </a:schemeClr>
-        </a:solidFill>
-      </a:ln>
-    </cs:spPr>
-  </cs:leaderLine>
-  <cs:legend>
-    <cs:lnRef idx="0"/>
-    <cs:fillRef idx="0"/>
-    <cs:effectRef idx="0"/>
-    <cs:fontRef idx="minor">
-      <a:schemeClr val="lt1">
-        <a:lumMod val="85000"/>
-      </a:schemeClr>
-    </cs:fontRef>
-    <cs:defRPr sz="1197" kern="1200"/>
-  </cs:legend>
-  <cs:plotArea>
-    <cs:lnRef idx="0"/>
-    <cs:fillRef idx="0"/>
-    <cs:effectRef idx="0"/>
-    <cs:fontRef idx="minor">
-      <a:schemeClr val="lt1"/>
-    </cs:fontRef>
-  </cs:plotArea>
-  <cs:plotArea3D>
-    <cs:lnRef idx="0"/>
-    <cs:fillRef idx="0"/>
-    <cs:effectRef idx="0"/>
-    <cs:fontRef idx="minor">
-      <a:schemeClr val="lt1"/>
-    </cs:fontRef>
-  </cs:plotArea3D>
-  <cs:seriesAxis>
-    <cs:lnRef idx="0"/>
-    <cs:fillRef idx="0"/>
-    <cs:effectRef idx="0"/>
-    <cs:fontRef idx="minor">
-      <a:schemeClr val="lt1">
-        <a:lumMod val="85000"/>
-      </a:schemeClr>
-    </cs:fontRef>
-    <cs:spPr>
-      <a:ln w="12700" cap="flat" cmpd="sng" algn="ctr">
-        <a:solidFill>
-          <a:schemeClr val="lt1">
-            <a:lumMod val="95000"/>
-            <a:alpha val="54000"/>
-          </a:schemeClr>
-        </a:solidFill>
-        <a:round/>
-      </a:ln>
-    </cs:spPr>
-    <cs:defRPr sz="1197" kern="1200"/>
-  </cs:seriesAxis>
-  <cs:seriesLine>
-    <cs:lnRef idx="0"/>
-    <cs:fillRef idx="0"/>
-    <cs:effectRef idx="0"/>
-    <cs:fontRef idx="minor">
-      <a:schemeClr val="lt1"/>
-    </cs:fontRef>
-    <cs:spPr>
-      <a:ln w="9525" cap="flat" cmpd="sng" algn="ctr">
-        <a:solidFill>
-          <a:schemeClr val="lt1">
-            <a:lumMod val="95000"/>
-            <a:alpha val="54000"/>
-          </a:schemeClr>
-        </a:solidFill>
-        <a:round/>
-      </a:ln>
-    </cs:spPr>
-  </cs:seriesLine>
-  <cs:title>
-    <cs:lnRef idx="0"/>
-    <cs:fillRef idx="0"/>
-    <cs:effectRef idx="0"/>
-    <cs:fontRef idx="minor">
-      <a:schemeClr val="lt1">
-        <a:lumMod val="95000"/>
-      </a:schemeClr>
-    </cs:fontRef>
-    <cs:defRPr sz="2128" b="1" kern="1200" spc="100" baseline="0">
-      <a:effectLst>
-        <a:outerShdw blurRad="50800" dist="38100" dir="5400000" algn="t" rotWithShape="0">
-          <a:prstClr val="black">
-            <a:alpha val="40000"/>
-          </a:prstClr>
-        </a:outerShdw>
-      </a:effectLst>
-    </cs:defRPr>
-  </cs:title>
-  <cs:trendline>
-    <cs:lnRef idx="0">
-      <cs:styleClr val="auto"/>
-    </cs:lnRef>
-    <cs:fillRef idx="0"/>
-    <cs:effectRef idx="0"/>
-    <cs:fontRef idx="minor">
-      <a:schemeClr val="lt1"/>
-    </cs:fontRef>
-    <cs:spPr>
-      <a:ln w="19050" cap="rnd">
-        <a:solidFill>
-          <a:schemeClr val="phClr"/>
-        </a:solidFill>
-      </a:ln>
-    </cs:spPr>
-  </cs:trendline>
-  <cs:trendlineLabel>
-    <cs:lnRef idx="0"/>
-    <cs:fillRef idx="0"/>
-    <cs:effectRef idx="0"/>
-    <cs:fontRef idx="minor">
-      <a:schemeClr val="lt1">
-        <a:lumMod val="85000"/>
-      </a:schemeClr>
-    </cs:fontRef>
-    <cs:defRPr sz="1197" kern="1200"/>
-  </cs:trendlineLabel>
-  <cs:upBar>
-    <cs:lnRef idx="0"/>
-    <cs:fillRef idx="0"/>
-    <cs:effectRef idx="0"/>
-    <cs:fontRef idx="minor">
-      <a:schemeClr val="lt1"/>
-    </cs:fontRef>
-    <cs:spPr>
-      <a:solidFill>
-        <a:schemeClr val="lt1"/>
-      </a:solidFill>
-      <a:ln w="9525">
-        <a:solidFill>
-          <a:schemeClr val="lt1">
-            <a:lumMod val="95000"/>
-            <a:alpha val="54000"/>
-          </a:schemeClr>
-        </a:solidFill>
-      </a:ln>
-    </cs:spPr>
-  </cs:upBar>
-  <cs:valueAxis>
-    <cs:lnRef idx="0"/>
-    <cs:fillRef idx="0"/>
-    <cs:effectRef idx="0"/>
-    <cs:fontRef idx="minor">
-      <a:schemeClr val="lt1">
-        <a:lumMod val="85000"/>
-      </a:schemeClr>
-    </cs:fontRef>
-    <cs:defRPr sz="1197" kern="1200"/>
-  </cs:valueAxis>
-  <cs:wall>
-    <cs:lnRef idx="0"/>
-    <cs:fillRef idx="0"/>
-    <cs:effectRef idx="0"/>
-    <cs:fontRef idx="minor">
-      <a:schemeClr val="lt1"/>
-    </cs:fontRef>
-  </cs:wall>
-</cs:chartStyle>
 </file>
 
 <file path=ppt/diagrams/colors1.xml><?xml version="1.0" encoding="utf-8"?>
@@ -4364,7 +3304,7 @@
           <a:p>
             <a:fld id="{50FABAFA-9D90-4B6C-95A1-503043E46FAB}" type="datetimeFigureOut">
               <a:rPr lang="en-US" smtClean="0"/>
-              <a:t>4/15/2018</a:t>
+              <a:t>4/17/2018</a:t>
             </a:fld>
             <a:endParaRPr lang="en-US"/>
           </a:p>
@@ -4529,7 +3469,7 @@
           <a:p>
             <a:fld id="{AC15EB1F-8DE4-48C3-A804-A05846A4049F}" type="datetimeFigureOut">
               <a:rPr lang="en-US" smtClean="0"/>
-              <a:t>4/15/2018</a:t>
+              <a:t>4/17/2018</a:t>
             </a:fld>
             <a:endParaRPr lang="en-US"/>
           </a:p>
@@ -5121,7 +4061,7 @@
           <a:p>
             <a:fld id="{CE5E0A0C-FFF2-4105-9F07-796FCC3D8DE3}" type="datetime1">
               <a:rPr lang="en-US" smtClean="0"/>
-              <a:t>4/15/2018</a:t>
+              <a:t>4/17/2018</a:t>
             </a:fld>
             <a:endParaRPr lang="en-US"/>
           </a:p>
@@ -5347,7 +4287,7 @@
           <a:p>
             <a:fld id="{4A5D68D4-D432-4190-8060-492B59F98A87}" type="datetime1">
               <a:rPr lang="en-US" smtClean="0"/>
-              <a:t>4/15/2018</a:t>
+              <a:t>4/17/2018</a:t>
             </a:fld>
             <a:endParaRPr lang="en-US"/>
           </a:p>
@@ -5583,7 +4523,7 @@
           <a:p>
             <a:fld id="{5AF4EF83-7D73-495D-9915-41737B990DFC}" type="datetime1">
               <a:rPr lang="en-US" smtClean="0"/>
-              <a:t>4/15/2018</a:t>
+              <a:t>4/17/2018</a:t>
             </a:fld>
             <a:endParaRPr lang="en-US"/>
           </a:p>
@@ -5920,7 +4860,7 @@
           <a:p>
             <a:fld id="{73DF2905-D7E2-4171-961B-8EB802C66F9A}" type="datetime1">
               <a:rPr lang="en-US" smtClean="0"/>
-              <a:t>4/15/2018</a:t>
+              <a:t>4/17/2018</a:t>
             </a:fld>
             <a:endParaRPr lang="en-US"/>
           </a:p>
@@ -6183,7 +5123,7 @@
           <a:p>
             <a:fld id="{82C1B47C-16BC-4A9F-9E6E-9D1F33DC8ABD}" type="datetime1">
               <a:rPr lang="en-US" smtClean="0"/>
-              <a:t>4/15/2018</a:t>
+              <a:t>4/17/2018</a:t>
             </a:fld>
             <a:endParaRPr lang="en-US"/>
           </a:p>
@@ -6599,7 +5539,7 @@
           <a:p>
             <a:fld id="{0C073DF2-DD31-447B-89F4-CEF82A94D7A7}" type="datetime1">
               <a:rPr lang="en-US" smtClean="0"/>
-              <a:t>4/15/2018</a:t>
+              <a:t>4/17/2018</a:t>
             </a:fld>
             <a:endParaRPr lang="en-US"/>
           </a:p>
@@ -7131,7 +6071,7 @@
           <a:p>
             <a:fld id="{1551BB0C-CFA8-4A1F-9AAE-D6B32E8256E7}" type="datetime1">
               <a:rPr lang="en-US" smtClean="0"/>
-              <a:t>4/15/2018</a:t>
+              <a:t>4/17/2018</a:t>
             </a:fld>
             <a:endParaRPr lang="en-US"/>
           </a:p>
@@ -7269,7 +6209,7 @@
           <a:p>
             <a:fld id="{2752348D-B72F-4FC3-A127-851C5E7B3A9E}" type="datetime1">
               <a:rPr lang="en-US" smtClean="0"/>
-              <a:t>4/15/2018</a:t>
+              <a:t>4/17/2018</a:t>
             </a:fld>
             <a:endParaRPr lang="en-US"/>
           </a:p>
@@ -7379,7 +6319,7 @@
           <a:p>
             <a:fld id="{D666EB1B-704A-4D5E-8D5F-456104532486}" type="datetime1">
               <a:rPr lang="en-US" smtClean="0"/>
-              <a:t>4/15/2018</a:t>
+              <a:t>4/17/2018</a:t>
             </a:fld>
             <a:endParaRPr lang="en-US"/>
           </a:p>
@@ -7692,7 +6632,7 @@
           <a:p>
             <a:fld id="{D96AFBEB-CD4D-45C5-9851-D1FF1EB5AB85}" type="datetime1">
               <a:rPr lang="en-US" smtClean="0"/>
-              <a:t>4/15/2018</a:t>
+              <a:t>4/17/2018</a:t>
             </a:fld>
             <a:endParaRPr lang="en-US"/>
           </a:p>
@@ -7940,7 +6880,7 @@
           <a:p>
             <a:fld id="{B285B7EB-0ACD-4247-AA3F-1B0B49109B84}" type="datetime1">
               <a:rPr lang="en-US" smtClean="0"/>
-              <a:t>4/15/2018</a:t>
+              <a:t>4/17/2018</a:t>
             </a:fld>
             <a:endParaRPr lang="en-US"/>
           </a:p>
@@ -8240,7 +7180,7 @@
             <a:fld id="{8254F2F0-E062-4E41-9176-AEE9734E64AC}" type="datetime1">
               <a:rPr lang="en-US" smtClean="0"/>
               <a:pPr/>
-              <a:t>4/15/2018</a:t>
+              <a:t>4/17/2018</a:t>
             </a:fld>
             <a:endParaRPr lang="en-US" dirty="0"/>
           </a:p>
@@ -8776,9 +7716,17 @@
           <a:lstStyle/>
           <a:p>
             <a:r>
-              <a:rPr lang="en-US" dirty="0"/>
-              <a:t>Title Layout</a:t>
-            </a:r>
+              <a:rPr lang="en-IE" dirty="0"/>
+              <a:t>Computer networking </a:t>
+            </a:r>
+            <a:br>
+              <a:rPr lang="en-IE" dirty="0"/>
+            </a:br>
+            <a:r>
+              <a:rPr lang="en-IE" dirty="0"/>
+              <a:t>overview</a:t>
+            </a:r>
+            <a:endParaRPr lang="en-US" dirty="0"/>
           </a:p>
         </p:txBody>
       </p:sp>
@@ -8887,35 +7835,35 @@
             <a:pPr lvl="0"/>
             <a:r>
               <a:rPr lang="en-US" dirty="0"/>
-              <a:t>Click to edit Master text styles</a:t>
-            </a:r>
-          </a:p>
-          <a:p>
-            <a:pPr lvl="1"/>
+              <a:t>Protocol </a:t>
+            </a:r>
+          </a:p>
+          <a:p>
+            <a:pPr lvl="0"/>
             <a:r>
               <a:rPr lang="en-US" dirty="0"/>
-              <a:t>Second level</a:t>
-            </a:r>
-          </a:p>
-          <a:p>
-            <a:pPr lvl="2"/>
+              <a:t>Accessing network</a:t>
+            </a:r>
+          </a:p>
+          <a:p>
+            <a:pPr lvl="0"/>
             <a:r>
               <a:rPr lang="en-US" dirty="0"/>
-              <a:t>Third level</a:t>
-            </a:r>
-          </a:p>
-          <a:p>
-            <a:pPr lvl="3"/>
+              <a:t>Packet switching </a:t>
+            </a:r>
+          </a:p>
+          <a:p>
+            <a:pPr lvl="0"/>
             <a:r>
               <a:rPr lang="en-US" dirty="0"/>
-              <a:t>Fourth level</a:t>
-            </a:r>
-          </a:p>
-          <a:p>
-            <a:pPr lvl="4"/>
+              <a:t>Circuit switching </a:t>
+            </a:r>
+          </a:p>
+          <a:p>
+            <a:pPr lvl="0"/>
             <a:r>
               <a:rPr lang="en-US" dirty="0"/>
-              <a:t>Fifth level</a:t>
+              <a:t>Internet layering </a:t>
             </a:r>
           </a:p>
         </p:txBody>
@@ -8979,375 +7927,69 @@
           <a:p>
             <a:r>
               <a:rPr lang="en-US" dirty="0"/>
-              <a:t>Title and Content Layout with Chart</a:t>
+              <a:t>Network protocols </a:t>
             </a:r>
           </a:p>
         </p:txBody>
       </p:sp>
-      <p:graphicFrame>
-        <p:nvGraphicFramePr>
-          <p:cNvPr id="6" name="Content Placeholder 5" descr="Clustered column chart showing the values of 3 series for 4 categories"/>
-          <p:cNvGraphicFramePr>
-            <a:graphicFrameLocks noGrp="1"/>
-          </p:cNvGraphicFramePr>
-          <p:nvPr>
-            <p:ph sz="quarter" idx="13"/>
-            <p:extLst>
-              <p:ext uri="{D42A27DB-BD31-4B8C-83A1-F6EECF244321}">
-                <p14:modId xmlns:p14="http://schemas.microsoft.com/office/powerpoint/2010/main" val="2517509121"/>
-              </p:ext>
-            </p:extLst>
-          </p:nvPr>
-        </p:nvGraphicFramePr>
-        <p:xfrm>
-          <a:off x="812800" y="1600200"/>
-          <a:ext cx="10566400" cy="4114800"/>
-        </p:xfrm>
-        <a:graphic>
-          <a:graphicData uri="http://schemas.openxmlformats.org/drawingml/2006/chart">
-            <c:chart xmlns:c="http://schemas.openxmlformats.org/drawingml/2006/chart" xmlns:r="http://schemas.openxmlformats.org/officeDocument/2006/relationships" r:id="rId2"/>
-          </a:graphicData>
-        </a:graphic>
-      </p:graphicFrame>
-    </p:spTree>
-    <p:extLst>
-      <p:ext uri="{BB962C8B-B14F-4D97-AF65-F5344CB8AC3E}">
-        <p14:creationId xmlns:p14="http://schemas.microsoft.com/office/powerpoint/2010/main" val="6974034"/>
-      </p:ext>
-    </p:extLst>
-  </p:cSld>
-  <p:clrMapOvr>
-    <a:masterClrMapping/>
-  </p:clrMapOvr>
-  <mc:AlternateContent xmlns:mc="http://schemas.openxmlformats.org/markup-compatibility/2006" xmlns:p14="http://schemas.microsoft.com/office/powerpoint/2010/main">
-    <mc:Choice Requires="p14">
-      <p:transition spd="med" p14:dur="700">
-        <p:fade/>
-      </p:transition>
-    </mc:Choice>
-    <mc:Fallback xmlns="">
-      <p:transition spd="med">
-        <p:fade/>
-      </p:transition>
-    </mc:Fallback>
-  </mc:AlternateContent>
-</p:sld>
-</file>
-
-<file path=ppt/slides/slide4.xml><?xml version="1.0" encoding="utf-8"?>
-<p:sld xmlns:a="http://schemas.openxmlformats.org/drawingml/2006/main" xmlns:r="http://schemas.openxmlformats.org/officeDocument/2006/relationships" xmlns:p="http://schemas.openxmlformats.org/presentationml/2006/main">
-  <p:cSld>
-    <p:spTree>
-      <p:nvGrpSpPr>
-        <p:cNvPr id="1" name=""/>
-        <p:cNvGrpSpPr/>
-        <p:nvPr/>
-      </p:nvGrpSpPr>
-      <p:grpSpPr>
-        <a:xfrm>
-          <a:off x="0" y="0"/>
-          <a:ext cx="0" cy="0"/>
-          <a:chOff x="0" y="0"/>
-          <a:chExt cx="0" cy="0"/>
-        </a:xfrm>
-      </p:grpSpPr>
       <p:sp>
         <p:nvSpPr>
-          <p:cNvPr id="2" name="Title 1"/>
+          <p:cNvPr id="5" name="Content Placeholder 4">
+            <a:extLst>
+              <a:ext uri="{FF2B5EF4-FFF2-40B4-BE49-F238E27FC236}">
+                <a16:creationId xmlns:a16="http://schemas.microsoft.com/office/drawing/2014/main" id="{C366A9F7-3B97-48E3-A6B3-2EB81CEA5F95}"/>
+              </a:ext>
+            </a:extLst>
+          </p:cNvPr>
           <p:cNvSpPr>
             <a:spLocks noGrp="1"/>
           </p:cNvSpPr>
           <p:nvPr>
-            <p:ph type="title"/>
+            <p:ph sz="quarter" idx="13"/>
           </p:nvPr>
         </p:nvSpPr>
-        <p:spPr/>
+        <p:spPr>
+          <a:xfrm>
+            <a:off x="812799" y="1600200"/>
+            <a:ext cx="10079789" cy="4114800"/>
+          </a:xfrm>
+        </p:spPr>
         <p:txBody>
           <a:bodyPr/>
           <a:lstStyle/>
           <a:p>
-            <a:r>
-              <a:rPr lang="en-US"/>
-              <a:t>Two Content Layout with Table</a:t>
-            </a:r>
-            <a:endParaRPr lang="en-US" dirty="0"/>
-          </a:p>
-        </p:txBody>
-      </p:sp>
-      <p:graphicFrame>
-        <p:nvGraphicFramePr>
-          <p:cNvPr id="4" name="Content Placeholder 3" title="Table sample"/>
-          <p:cNvGraphicFramePr>
-            <a:graphicFrameLocks noGrp="1"/>
-          </p:cNvGraphicFramePr>
-          <p:nvPr>
-            <p:ph sz="quarter" idx="13"/>
-            <p:extLst>
-              <p:ext uri="{D42A27DB-BD31-4B8C-83A1-F6EECF244321}">
-                <p14:modId xmlns:p14="http://schemas.microsoft.com/office/powerpoint/2010/main" val="659895434"/>
-              </p:ext>
-            </p:extLst>
-          </p:nvPr>
-        </p:nvGraphicFramePr>
-        <p:xfrm>
-          <a:off x="812800" y="1600200"/>
-          <a:ext cx="4978401" cy="2082800"/>
-        </p:xfrm>
-        <a:graphic>
-          <a:graphicData uri="http://schemas.openxmlformats.org/drawingml/2006/table">
-            <a:tbl>
-              <a:tblPr firstRow="1" bandRow="1">
-                <a:tableStyleId>{5DA37D80-6434-44D0-A028-1B22A696006F}</a:tableStyleId>
-              </a:tblPr>
-              <a:tblGrid>
-                <a:gridCol w="1659467">
-                  <a:extLst>
-                    <a:ext uri="{9D8B030D-6E8A-4147-A177-3AD203B41FA5}">
-                      <a16:colId xmlns:a16="http://schemas.microsoft.com/office/drawing/2014/main" val="20000"/>
-                    </a:ext>
-                  </a:extLst>
-                </a:gridCol>
-                <a:gridCol w="1659467">
-                  <a:extLst>
-                    <a:ext uri="{9D8B030D-6E8A-4147-A177-3AD203B41FA5}">
-                      <a16:colId xmlns:a16="http://schemas.microsoft.com/office/drawing/2014/main" val="20001"/>
-                    </a:ext>
-                  </a:extLst>
-                </a:gridCol>
-                <a:gridCol w="1659467">
-                  <a:extLst>
-                    <a:ext uri="{9D8B030D-6E8A-4147-A177-3AD203B41FA5}">
-                      <a16:colId xmlns:a16="http://schemas.microsoft.com/office/drawing/2014/main" val="20002"/>
-                    </a:ext>
-                  </a:extLst>
-                </a:gridCol>
-              </a:tblGrid>
-              <a:tr h="520700">
-                <a:tc>
-                  <a:txBody>
-                    <a:bodyPr/>
-                    <a:lstStyle/>
-                    <a:p>
-                      <a:r>
-                        <a:rPr lang="en-US" dirty="0"/>
-                        <a:t>Class</a:t>
-                      </a:r>
-                    </a:p>
-                  </a:txBody>
-                  <a:tcPr marL="95363" marR="95363" anchor="ctr"/>
-                </a:tc>
-                <a:tc>
-                  <a:txBody>
-                    <a:bodyPr/>
-                    <a:lstStyle/>
-                    <a:p>
-                      <a:pPr algn="ctr"/>
-                      <a:r>
-                        <a:rPr lang="en-US" dirty="0"/>
-                        <a:t>Group A</a:t>
-                      </a:r>
-                    </a:p>
-                  </a:txBody>
-                  <a:tcPr marL="95363" marR="95363" anchor="ctr"/>
-                </a:tc>
-                <a:tc>
-                  <a:txBody>
-                    <a:bodyPr/>
-                    <a:lstStyle/>
-                    <a:p>
-                      <a:pPr algn="ctr"/>
-                      <a:r>
-                        <a:rPr lang="en-US" dirty="0"/>
-                        <a:t>Group B</a:t>
-                      </a:r>
-                    </a:p>
-                  </a:txBody>
-                  <a:tcPr marL="95363" marR="95363" anchor="ctr"/>
-                </a:tc>
-                <a:extLst>
-                  <a:ext uri="{0D108BD9-81ED-4DB2-BD59-A6C34878D82A}">
-                    <a16:rowId xmlns:a16="http://schemas.microsoft.com/office/drawing/2014/main" val="10000"/>
-                  </a:ext>
-                </a:extLst>
-              </a:tr>
-              <a:tr h="520700">
-                <a:tc>
-                  <a:txBody>
-                    <a:bodyPr/>
-                    <a:lstStyle/>
-                    <a:p>
-                      <a:r>
-                        <a:rPr lang="en-US" dirty="0"/>
-                        <a:t>Class 1</a:t>
-                      </a:r>
-                    </a:p>
-                  </a:txBody>
-                  <a:tcPr marL="95363" marR="95363" anchor="ctr"/>
-                </a:tc>
-                <a:tc>
-                  <a:txBody>
-                    <a:bodyPr/>
-                    <a:lstStyle/>
-                    <a:p>
-                      <a:pPr algn="ctr"/>
-                      <a:r>
-                        <a:rPr lang="en-US" dirty="0"/>
-                        <a:t>82</a:t>
-                      </a:r>
-                    </a:p>
-                  </a:txBody>
-                  <a:tcPr marL="95363" marR="95363" anchor="ctr"/>
-                </a:tc>
-                <a:tc>
-                  <a:txBody>
-                    <a:bodyPr/>
-                    <a:lstStyle/>
-                    <a:p>
-                      <a:pPr algn="ctr"/>
-                      <a:r>
-                        <a:rPr lang="en-US" dirty="0"/>
-                        <a:t>85</a:t>
-                      </a:r>
-                    </a:p>
-                  </a:txBody>
-                  <a:tcPr marL="95363" marR="95363" anchor="ctr"/>
-                </a:tc>
-                <a:extLst>
-                  <a:ext uri="{0D108BD9-81ED-4DB2-BD59-A6C34878D82A}">
-                    <a16:rowId xmlns:a16="http://schemas.microsoft.com/office/drawing/2014/main" val="10001"/>
-                  </a:ext>
-                </a:extLst>
-              </a:tr>
-              <a:tr h="520700">
-                <a:tc>
-                  <a:txBody>
-                    <a:bodyPr/>
-                    <a:lstStyle/>
-                    <a:p>
-                      <a:r>
-                        <a:rPr lang="en-US" dirty="0"/>
-                        <a:t>Class 2</a:t>
-                      </a:r>
-                    </a:p>
-                  </a:txBody>
-                  <a:tcPr marL="95363" marR="95363" anchor="ctr"/>
-                </a:tc>
-                <a:tc>
-                  <a:txBody>
-                    <a:bodyPr/>
-                    <a:lstStyle/>
-                    <a:p>
-                      <a:pPr algn="ctr"/>
-                      <a:r>
-                        <a:rPr lang="en-US" dirty="0"/>
-                        <a:t>76</a:t>
-                      </a:r>
-                    </a:p>
-                  </a:txBody>
-                  <a:tcPr marL="95363" marR="95363" anchor="ctr"/>
-                </a:tc>
-                <a:tc>
-                  <a:txBody>
-                    <a:bodyPr/>
-                    <a:lstStyle/>
-                    <a:p>
-                      <a:pPr algn="ctr"/>
-                      <a:r>
-                        <a:rPr lang="en-US" dirty="0"/>
-                        <a:t>88</a:t>
-                      </a:r>
-                    </a:p>
-                  </a:txBody>
-                  <a:tcPr marL="95363" marR="95363" anchor="ctr"/>
-                </a:tc>
-                <a:extLst>
-                  <a:ext uri="{0D108BD9-81ED-4DB2-BD59-A6C34878D82A}">
-                    <a16:rowId xmlns:a16="http://schemas.microsoft.com/office/drawing/2014/main" val="10002"/>
-                  </a:ext>
-                </a:extLst>
-              </a:tr>
-              <a:tr h="520700">
-                <a:tc>
-                  <a:txBody>
-                    <a:bodyPr/>
-                    <a:lstStyle/>
-                    <a:p>
-                      <a:r>
-                        <a:rPr lang="en-US" dirty="0"/>
-                        <a:t>Class 3</a:t>
-                      </a:r>
-                    </a:p>
-                  </a:txBody>
-                  <a:tcPr marL="95363" marR="95363" anchor="ctr"/>
-                </a:tc>
-                <a:tc>
-                  <a:txBody>
-                    <a:bodyPr/>
-                    <a:lstStyle/>
-                    <a:p>
-                      <a:pPr algn="ctr"/>
-                      <a:r>
-                        <a:rPr lang="en-US" dirty="0"/>
-                        <a:t>84</a:t>
-                      </a:r>
-                    </a:p>
-                  </a:txBody>
-                  <a:tcPr marL="95363" marR="95363" anchor="ctr"/>
-                </a:tc>
-                <a:tc>
-                  <a:txBody>
-                    <a:bodyPr/>
-                    <a:lstStyle/>
-                    <a:p>
-                      <a:pPr algn="ctr"/>
-                      <a:r>
-                        <a:rPr lang="en-US" dirty="0"/>
-                        <a:t>90</a:t>
-                      </a:r>
-                    </a:p>
-                  </a:txBody>
-                  <a:tcPr marL="95363" marR="95363" anchor="ctr"/>
-                </a:tc>
-                <a:extLst>
-                  <a:ext uri="{0D108BD9-81ED-4DB2-BD59-A6C34878D82A}">
-                    <a16:rowId xmlns:a16="http://schemas.microsoft.com/office/drawing/2014/main" val="10003"/>
-                  </a:ext>
-                </a:extLst>
-              </a:tr>
-            </a:tbl>
-          </a:graphicData>
-        </a:graphic>
-      </p:graphicFrame>
-      <p:sp>
-        <p:nvSpPr>
-          <p:cNvPr id="11" name="Content Placeholder 10"/>
-          <p:cNvSpPr>
-            <a:spLocks noGrp="1"/>
-          </p:cNvSpPr>
-          <p:nvPr>
-            <p:ph sz="quarter" idx="14"/>
-          </p:nvPr>
-        </p:nvSpPr>
-        <p:spPr/>
-        <p:txBody>
-          <a:bodyPr/>
-          <a:lstStyle/>
-          <a:p>
+            <a:pPr lvl="0"/>
             <a:r>
               <a:rPr lang="en-US" dirty="0"/>
-              <a:t>First bullet point here</a:t>
-            </a:r>
-          </a:p>
-          <a:p>
+              <a:t>Protocol – language used for computer to communicate over the network</a:t>
+            </a:r>
+          </a:p>
+          <a:p>
+            <a:pPr lvl="0"/>
             <a:r>
               <a:rPr lang="en-US" dirty="0"/>
-              <a:t>Second bullet point here</a:t>
-            </a:r>
-          </a:p>
-          <a:p>
+              <a:t>Accessing network – DSL, Cable </a:t>
+            </a:r>
+          </a:p>
+          <a:p>
+            <a:pPr lvl="0"/>
             <a:r>
               <a:rPr lang="en-US" dirty="0"/>
-              <a:t>Third bullet point here</a:t>
+              <a:t>Packet switching </a:t>
+            </a:r>
+          </a:p>
+          <a:p>
+            <a:pPr lvl="0"/>
+            <a:r>
+              <a:rPr lang="en-US" dirty="0"/>
+              <a:t>Circuit switching </a:t>
+            </a:r>
+          </a:p>
+          <a:p>
+            <a:pPr lvl="0"/>
+            <a:r>
+              <a:rPr lang="en-US" dirty="0"/>
+              <a:t>Internet layering </a:t>
             </a:r>
           </a:p>
         </p:txBody>
@@ -9377,7 +8019,7 @@
 </p:sld>
 </file>
 
-<file path=ppt/slides/slide5.xml><?xml version="1.0" encoding="utf-8"?>
+<file path=ppt/slides/slide4.xml><?xml version="1.0" encoding="utf-8"?>
 <p:sld xmlns:a="http://schemas.openxmlformats.org/drawingml/2006/main" xmlns:r="http://schemas.openxmlformats.org/officeDocument/2006/relationships" xmlns:p="http://schemas.openxmlformats.org/presentationml/2006/main">
   <p:cSld>
     <p:spTree>
